--- a/Final-Presentation.pptx
+++ b/Final-Presentation.pptx
@@ -4051,9 +4051,9 @@
     <dgm:cxn modelId="{98738711-2991-458D-8014-8046CCCEE89B}" srcId="{9E4BAC50-5F60-4360-981E-D1E9D1361315}" destId="{8324F44B-163E-4D83-9119-057CD70ED5F2}" srcOrd="0" destOrd="0" parTransId="{F2A7BA00-4277-4588-B2C0-5119449D7129}" sibTransId="{8BE8939D-4B43-460E-83CC-1C0A3B7F32BD}"/>
     <dgm:cxn modelId="{DA236B1B-EE35-435C-9319-93496D096F6B}" srcId="{70BA7142-6CE1-40FE-8370-23CF0309970F}" destId="{43F3291E-FA6B-40CD-892F-A80DABF78C14}" srcOrd="0" destOrd="0" parTransId="{E8B10276-F6F0-4E7A-B2C6-93FA8A20D3F9}" sibTransId="{A3B39961-C03C-479A-9DE2-F252146D4D95}"/>
     <dgm:cxn modelId="{37E5BF3A-F038-4A49-B3AE-84E724753D3F}" type="presOf" srcId="{BA4941DD-7C03-4C72-9537-D1642BF54BD9}" destId="{379B78E8-721F-4BE6-89B5-8426A96458CC}" srcOrd="0" destOrd="0" presId="urn:microsoft.com/office/officeart/2017/3/layout/DropPinTimeline"/>
+    <dgm:cxn modelId="{55031F49-FF94-46DB-A0EF-B59E4D071F0C}" srcId="{72BB26C5-8140-40FF-BBD5-305061B84B69}" destId="{0D14D0CA-2986-47F2-8590-E671E16A03A3}" srcOrd="0" destOrd="0" parTransId="{FC4D1EAA-9EAA-4087-855B-715288C2A142}" sibTransId="{F91F85E2-B68C-4777-AF30-247460D4DA87}"/>
     <dgm:cxn modelId="{FDB5665C-B366-457D-841E-8B366D6F18D6}" srcId="{6485BACA-4D21-49C0-B47D-ACF009980E21}" destId="{DBE1E15F-494C-456C-A7FF-9207F22B658E}" srcOrd="2" destOrd="0" parTransId="{48D33304-1467-4FCE-9553-7A85F7729405}" sibTransId="{5D58E9CD-D050-4444-82A8-2300DB9FEC98}"/>
     <dgm:cxn modelId="{ABC7B25C-D179-4A61-969C-5B1F73E74E9F}" srcId="{BA4941DD-7C03-4C72-9537-D1642BF54BD9}" destId="{21A1201D-2A2A-462D-8C50-7D67EC910BD3}" srcOrd="0" destOrd="0" parTransId="{BE30AB61-3EAD-4473-8B68-527483517E36}" sibTransId="{61F29BCD-FC2E-4597-8730-AF5705263BB2}"/>
-    <dgm:cxn modelId="{55031F49-FF94-46DB-A0EF-B59E4D071F0C}" srcId="{72BB26C5-8140-40FF-BBD5-305061B84B69}" destId="{0D14D0CA-2986-47F2-8590-E671E16A03A3}" srcOrd="0" destOrd="0" parTransId="{FC4D1EAA-9EAA-4087-855B-715288C2A142}" sibTransId="{F91F85E2-B68C-4777-AF30-247460D4DA87}"/>
     <dgm:cxn modelId="{4957E76A-67C8-47F0-8610-0AD66DAF5DC5}" type="presOf" srcId="{70BA7142-6CE1-40FE-8370-23CF0309970F}" destId="{313B7677-38B9-448E-B213-E616E88F7F55}" srcOrd="0" destOrd="0" presId="urn:microsoft.com/office/officeart/2017/3/layout/DropPinTimeline"/>
     <dgm:cxn modelId="{10C84882-45F4-4F22-9396-197B98A09E7B}" srcId="{6485BACA-4D21-49C0-B47D-ACF009980E21}" destId="{70BA7142-6CE1-40FE-8370-23CF0309970F}" srcOrd="4" destOrd="0" parTransId="{B1366CBF-F7E1-4677-BB18-4321AFD5A1DB}" sibTransId="{B7F31CB0-1F1D-484E-8640-E9BEB19D91B3}"/>
     <dgm:cxn modelId="{09AA458D-5FBA-4E2F-BA57-C0ECB07F858E}" srcId="{6485BACA-4D21-49C0-B47D-ACF009980E21}" destId="{5AB7C647-5462-4E4C-AEE0-59D355790399}" srcOrd="3" destOrd="0" parTransId="{4AE8898A-FAE3-4124-88D1-2DF467D0BB3F}" sibTransId="{91ABED50-734B-486F-8858-17E268BBFDAE}"/>
@@ -4537,10 +4537,10 @@
     <dgm:cxn modelId="{FD1EC331-F8AD-4D2A-8EC8-0B9AA93875EC}" srcId="{53468292-AB05-4033-97A5-721AA6799EAE}" destId="{A0A06A05-C012-45FA-B18A-F34B4CB1136F}" srcOrd="6" destOrd="0" parTransId="{236C274A-F15B-4C76-98AC-27EAD0B6441F}" sibTransId="{691F559D-5008-4D07-A67A-6673656E4F27}"/>
     <dgm:cxn modelId="{34F4EC39-2CFC-5943-BAD3-37443893DD81}" type="presOf" srcId="{F1066495-F094-4909-986A-7C111A06B692}" destId="{3133FFC8-BE43-468E-AF62-CCE8F5C2D6FE}" srcOrd="0" destOrd="0" presId="urn:microsoft.com/office/officeart/2008/layout/LinedList"/>
     <dgm:cxn modelId="{4232C83A-3F88-F34C-8745-0EC7C067ED06}" type="presOf" srcId="{5BA508E0-E0BE-4491-B314-65BA4B2D84F6}" destId="{054431F2-0A51-48AA-866E-C961344621C8}" srcOrd="0" destOrd="0" presId="urn:microsoft.com/office/officeart/2008/layout/LinedList"/>
+    <dgm:cxn modelId="{50CBFC43-F1DF-4796-BA12-D58E220AA481}" srcId="{53468292-AB05-4033-97A5-721AA6799EAE}" destId="{5BA508E0-E0BE-4491-B314-65BA4B2D84F6}" srcOrd="5" destOrd="0" parTransId="{B6230FF2-FDE2-4AE0-9ABE-A650F4127EE1}" sibTransId="{77FB16F4-601E-48D3-B648-792712C18DA6}"/>
+    <dgm:cxn modelId="{917BEC45-7D3F-344D-AB57-DBCDC3F82E70}" type="presOf" srcId="{53468292-AB05-4033-97A5-721AA6799EAE}" destId="{B67C92AD-2108-47ED-876C-2CD694F75B10}" srcOrd="0" destOrd="0" presId="urn:microsoft.com/office/officeart/2008/layout/LinedList"/>
     <dgm:cxn modelId="{46E0385E-11D7-4E36-BF28-CEBF083A7031}" srcId="{53468292-AB05-4033-97A5-721AA6799EAE}" destId="{37A47910-6238-492E-89EF-A1D07E1B7C7D}" srcOrd="3" destOrd="0" parTransId="{2D8130DC-159E-46E8-89E2-AB8526EECA42}" sibTransId="{C1FF79BF-9300-4F0B-AA09-06F69119A437}"/>
-    <dgm:cxn modelId="{50CBFC43-F1DF-4796-BA12-D58E220AA481}" srcId="{53468292-AB05-4033-97A5-721AA6799EAE}" destId="{5BA508E0-E0BE-4491-B314-65BA4B2D84F6}" srcOrd="5" destOrd="0" parTransId="{B6230FF2-FDE2-4AE0-9ABE-A650F4127EE1}" sibTransId="{77FB16F4-601E-48D3-B648-792712C18DA6}"/>
     <dgm:cxn modelId="{8BC15B65-41D6-EF47-819D-E192A3A1A13D}" type="presOf" srcId="{EAF1AE41-6E50-483C-BA25-0269DBC35B93}" destId="{FD2CFD7F-A6CE-4660-A7DC-14C717BF6889}" srcOrd="0" destOrd="0" presId="urn:microsoft.com/office/officeart/2008/layout/LinedList"/>
-    <dgm:cxn modelId="{917BEC45-7D3F-344D-AB57-DBCDC3F82E70}" type="presOf" srcId="{53468292-AB05-4033-97A5-721AA6799EAE}" destId="{B67C92AD-2108-47ED-876C-2CD694F75B10}" srcOrd="0" destOrd="0" presId="urn:microsoft.com/office/officeart/2008/layout/LinedList"/>
     <dgm:cxn modelId="{EEBBF582-EEC0-F644-B90D-C330183EBEBF}" type="presOf" srcId="{0FA0DB6B-8211-4F54-9D93-CEF451FCEE5B}" destId="{EE0FC460-1375-4CFB-9392-124A185A384A}" srcOrd="0" destOrd="0" presId="urn:microsoft.com/office/officeart/2008/layout/LinedList"/>
     <dgm:cxn modelId="{0F73378D-8616-1948-964B-7E9DF4170D0B}" type="presOf" srcId="{37A47910-6238-492E-89EF-A1D07E1B7C7D}" destId="{E1553B16-BC6A-4CBC-9682-784CE11A4C4C}" srcOrd="0" destOrd="0" presId="urn:microsoft.com/office/officeart/2008/layout/LinedList"/>
     <dgm:cxn modelId="{E04F288F-E888-544B-849D-D76DBE331331}" type="presOf" srcId="{A0A06A05-C012-45FA-B18A-F34B4CB1136F}" destId="{7FEB7243-7AAF-43A5-8CEF-A082FC18FCB4}" srcOrd="0" destOrd="0" presId="urn:microsoft.com/office/officeart/2008/layout/LinedList"/>
@@ -12578,7 +12578,7 @@
           <a:p>
             <a:fld id="{3746B5A2-7DE6-FC4E-87DF-60F386F4CF5C}" type="datetimeFigureOut">
               <a:rPr lang="en-US" smtClean="0"/>
-              <a:t>12/7/2023</a:t>
+              <a:t>12/7/23</a:t>
             </a:fld>
             <a:endParaRPr lang="en-US"/>
           </a:p>
@@ -12778,7 +12778,7 @@
           <a:p>
             <a:fld id="{3746B5A2-7DE6-FC4E-87DF-60F386F4CF5C}" type="datetimeFigureOut">
               <a:rPr lang="en-US" smtClean="0"/>
-              <a:t>12/7/2023</a:t>
+              <a:t>12/7/23</a:t>
             </a:fld>
             <a:endParaRPr lang="en-US"/>
           </a:p>
@@ -12988,7 +12988,7 @@
           <a:p>
             <a:fld id="{3746B5A2-7DE6-FC4E-87DF-60F386F4CF5C}" type="datetimeFigureOut">
               <a:rPr lang="en-US" smtClean="0"/>
-              <a:t>12/7/2023</a:t>
+              <a:t>12/7/23</a:t>
             </a:fld>
             <a:endParaRPr lang="en-US"/>
           </a:p>
@@ -13188,7 +13188,7 @@
           <a:p>
             <a:fld id="{3746B5A2-7DE6-FC4E-87DF-60F386F4CF5C}" type="datetimeFigureOut">
               <a:rPr lang="en-US" smtClean="0"/>
-              <a:t>12/7/2023</a:t>
+              <a:t>12/7/23</a:t>
             </a:fld>
             <a:endParaRPr lang="en-US"/>
           </a:p>
@@ -13464,7 +13464,7 @@
           <a:p>
             <a:fld id="{3746B5A2-7DE6-FC4E-87DF-60F386F4CF5C}" type="datetimeFigureOut">
               <a:rPr lang="en-US" smtClean="0"/>
-              <a:t>12/7/2023</a:t>
+              <a:t>12/7/23</a:t>
             </a:fld>
             <a:endParaRPr lang="en-US"/>
           </a:p>
@@ -13732,7 +13732,7 @@
           <a:p>
             <a:fld id="{3746B5A2-7DE6-FC4E-87DF-60F386F4CF5C}" type="datetimeFigureOut">
               <a:rPr lang="en-US" smtClean="0"/>
-              <a:t>12/7/2023</a:t>
+              <a:t>12/7/23</a:t>
             </a:fld>
             <a:endParaRPr lang="en-US"/>
           </a:p>
@@ -14147,7 +14147,7 @@
           <a:p>
             <a:fld id="{3746B5A2-7DE6-FC4E-87DF-60F386F4CF5C}" type="datetimeFigureOut">
               <a:rPr lang="en-US" smtClean="0"/>
-              <a:t>12/7/2023</a:t>
+              <a:t>12/7/23</a:t>
             </a:fld>
             <a:endParaRPr lang="en-US"/>
           </a:p>
@@ -14289,7 +14289,7 @@
           <a:p>
             <a:fld id="{3746B5A2-7DE6-FC4E-87DF-60F386F4CF5C}" type="datetimeFigureOut">
               <a:rPr lang="en-US" smtClean="0"/>
-              <a:t>12/7/2023</a:t>
+              <a:t>12/7/23</a:t>
             </a:fld>
             <a:endParaRPr lang="en-US"/>
           </a:p>
@@ -14402,7 +14402,7 @@
           <a:p>
             <a:fld id="{3746B5A2-7DE6-FC4E-87DF-60F386F4CF5C}" type="datetimeFigureOut">
               <a:rPr lang="en-US" smtClean="0"/>
-              <a:t>12/7/2023</a:t>
+              <a:t>12/7/23</a:t>
             </a:fld>
             <a:endParaRPr lang="en-US"/>
           </a:p>
@@ -14715,7 +14715,7 @@
           <a:p>
             <a:fld id="{3746B5A2-7DE6-FC4E-87DF-60F386F4CF5C}" type="datetimeFigureOut">
               <a:rPr lang="en-US" smtClean="0"/>
-              <a:t>12/7/2023</a:t>
+              <a:t>12/7/23</a:t>
             </a:fld>
             <a:endParaRPr lang="en-US"/>
           </a:p>
@@ -15004,7 +15004,7 @@
           <a:p>
             <a:fld id="{3746B5A2-7DE6-FC4E-87DF-60F386F4CF5C}" type="datetimeFigureOut">
               <a:rPr lang="en-US" smtClean="0"/>
-              <a:t>12/7/2023</a:t>
+              <a:t>12/7/23</a:t>
             </a:fld>
             <a:endParaRPr lang="en-US"/>
           </a:p>
@@ -15247,7 +15247,7 @@
           <a:p>
             <a:fld id="{3746B5A2-7DE6-FC4E-87DF-60F386F4CF5C}" type="datetimeFigureOut">
               <a:rPr lang="en-US" smtClean="0"/>
-              <a:t>12/7/2023</a:t>
+              <a:t>12/7/23</a:t>
             </a:fld>
             <a:endParaRPr lang="en-US"/>
           </a:p>
@@ -16074,51 +16074,6 @@
           </a:prstGeom>
         </p:spPr>
       </p:pic>
-      <p:sp>
-        <p:nvSpPr>
-          <p:cNvPr id="18" name="TextBox 17">
-            <a:extLst>
-              <a:ext uri="{FF2B5EF4-FFF2-40B4-BE49-F238E27FC236}">
-                <a16:creationId xmlns:a16="http://schemas.microsoft.com/office/drawing/2014/main" id="{E31BDB98-B4DE-1B98-6E04-D5EDEC4C7387}"/>
-              </a:ext>
-            </a:extLst>
-          </p:cNvPr>
-          <p:cNvSpPr txBox="1"/>
-          <p:nvPr/>
-        </p:nvSpPr>
-        <p:spPr>
-          <a:xfrm>
-            <a:off x="9540814" y="4731184"/>
-            <a:ext cx="2311879" cy="1169551"/>
-          </a:xfrm>
-          <a:prstGeom prst="rect">
-            <a:avLst/>
-          </a:prstGeom>
-          <a:noFill/>
-        </p:spPr>
-        <p:txBody>
-          <a:bodyPr wrap="square" rtlCol="0">
-            <a:spAutoFit/>
-          </a:bodyPr>
-          <a:lstStyle/>
-          <a:p>
-            <a:r>
-              <a:rPr lang="en-US" sz="1400"/>
-              <a:t>Response time distribution for 6000 requests at once.</a:t>
-            </a:r>
-            <a:br>
-              <a:rPr lang="en-US" sz="1400"/>
-            </a:br>
-            <a:br>
-              <a:rPr lang="en-US" sz="1400"/>
-            </a:br>
-            <a:r>
-              <a:rPr lang="en-US" sz="1400"/>
-              <a:t>With average response time &lt; 2 seconds.</a:t>
-            </a:r>
-          </a:p>
-        </p:txBody>
-      </p:sp>
       <p:cxnSp>
         <p:nvCxnSpPr>
           <p:cNvPr id="20" name="Straight Arrow Connector 19">
@@ -16161,6 +16116,63 @@
           </a:fontRef>
         </p:style>
       </p:cxnSp>
+      <p:sp>
+        <p:nvSpPr>
+          <p:cNvPr id="6" name="TextBox 5">
+            <a:extLst>
+              <a:ext uri="{FF2B5EF4-FFF2-40B4-BE49-F238E27FC236}">
+                <a16:creationId xmlns:a16="http://schemas.microsoft.com/office/drawing/2014/main" id="{0A427C5C-8A84-99CC-4DC7-264D9CA9A1B9}"/>
+              </a:ext>
+            </a:extLst>
+          </p:cNvPr>
+          <p:cNvSpPr txBox="1"/>
+          <p:nvPr/>
+        </p:nvSpPr>
+        <p:spPr>
+          <a:xfrm>
+            <a:off x="9851572" y="4715795"/>
+            <a:ext cx="1817914" cy="1200329"/>
+          </a:xfrm>
+          <a:prstGeom prst="rect">
+            <a:avLst/>
+          </a:prstGeom>
+          <a:noFill/>
+        </p:spPr>
+        <p:txBody>
+          <a:bodyPr wrap="square" rtlCol="0">
+            <a:spAutoFit/>
+          </a:bodyPr>
+          <a:lstStyle/>
+          <a:p>
+            <a:r>
+              <a:rPr lang="en-US" sz="1800" b="0" i="0" u="none" strike="noStrike" dirty="0">
+                <a:solidFill>
+                  <a:srgbClr val="000000"/>
+                </a:solidFill>
+                <a:effectLst/>
+                <a:latin typeface="Baskerville" panose="02020502070401020303" pitchFamily="18" charset="0"/>
+                <a:ea typeface="Baskerville" panose="02020502070401020303" pitchFamily="18" charset="0"/>
+              </a:rPr>
+              <a:t>Response time distribution for 2000 requests at once.</a:t>
+            </a:r>
+            <a:r>
+              <a:rPr lang="en-US" sz="1800" b="0" i="0" dirty="0">
+                <a:solidFill>
+                  <a:srgbClr val="000000"/>
+                </a:solidFill>
+                <a:effectLst/>
+                <a:latin typeface="Baskerville" panose="02020502070401020303" pitchFamily="18" charset="0"/>
+                <a:ea typeface="Baskerville" panose="02020502070401020303" pitchFamily="18" charset="0"/>
+              </a:rPr>
+              <a:t>​</a:t>
+            </a:r>
+            <a:endParaRPr lang="en-US" dirty="0">
+              <a:latin typeface="Baskerville" panose="02020502070401020303" pitchFamily="18" charset="0"/>
+              <a:ea typeface="Baskerville" panose="02020502070401020303" pitchFamily="18" charset="0"/>
+            </a:endParaRPr>
+          </a:p>
+        </p:txBody>
+      </p:sp>
     </p:spTree>
     <p:extLst>
       <p:ext uri="{BB962C8B-B14F-4D97-AF65-F5344CB8AC3E}">
